--- a/Unidad_3/Def_Problema.pptx
+++ b/Unidad_3/Def_Problema.pptx
@@ -267,7 +267,7 @@
           <a:p>
             <a:fld id="{1B5DD48E-8B08-144B-8C1D-28F0C3F5D00F}" type="datetimeFigureOut">
               <a:rPr lang="en-MX" smtClean="0"/>
-              <a:t>24/02/25</a:t>
+              <a:t>21/03/25</a:t>
             </a:fld>
             <a:endParaRPr lang="en-MX"/>
           </a:p>
@@ -467,7 +467,7 @@
           <a:p>
             <a:fld id="{1B5DD48E-8B08-144B-8C1D-28F0C3F5D00F}" type="datetimeFigureOut">
               <a:rPr lang="en-MX" smtClean="0"/>
-              <a:t>24/02/25</a:t>
+              <a:t>21/03/25</a:t>
             </a:fld>
             <a:endParaRPr lang="en-MX"/>
           </a:p>
@@ -677,7 +677,7 @@
           <a:p>
             <a:fld id="{1B5DD48E-8B08-144B-8C1D-28F0C3F5D00F}" type="datetimeFigureOut">
               <a:rPr lang="en-MX" smtClean="0"/>
-              <a:t>24/02/25</a:t>
+              <a:t>21/03/25</a:t>
             </a:fld>
             <a:endParaRPr lang="en-MX"/>
           </a:p>
@@ -877,7 +877,7 @@
           <a:p>
             <a:fld id="{1B5DD48E-8B08-144B-8C1D-28F0C3F5D00F}" type="datetimeFigureOut">
               <a:rPr lang="en-MX" smtClean="0"/>
-              <a:t>24/02/25</a:t>
+              <a:t>21/03/25</a:t>
             </a:fld>
             <a:endParaRPr lang="en-MX"/>
           </a:p>
@@ -1153,7 +1153,7 @@
           <a:p>
             <a:fld id="{1B5DD48E-8B08-144B-8C1D-28F0C3F5D00F}" type="datetimeFigureOut">
               <a:rPr lang="en-MX" smtClean="0"/>
-              <a:t>24/02/25</a:t>
+              <a:t>21/03/25</a:t>
             </a:fld>
             <a:endParaRPr lang="en-MX"/>
           </a:p>
@@ -1421,7 +1421,7 @@
           <a:p>
             <a:fld id="{1B5DD48E-8B08-144B-8C1D-28F0C3F5D00F}" type="datetimeFigureOut">
               <a:rPr lang="en-MX" smtClean="0"/>
-              <a:t>24/02/25</a:t>
+              <a:t>21/03/25</a:t>
             </a:fld>
             <a:endParaRPr lang="en-MX"/>
           </a:p>
@@ -1836,7 +1836,7 @@
           <a:p>
             <a:fld id="{1B5DD48E-8B08-144B-8C1D-28F0C3F5D00F}" type="datetimeFigureOut">
               <a:rPr lang="en-MX" smtClean="0"/>
-              <a:t>24/02/25</a:t>
+              <a:t>21/03/25</a:t>
             </a:fld>
             <a:endParaRPr lang="en-MX"/>
           </a:p>
@@ -1978,7 +1978,7 @@
           <a:p>
             <a:fld id="{1B5DD48E-8B08-144B-8C1D-28F0C3F5D00F}" type="datetimeFigureOut">
               <a:rPr lang="en-MX" smtClean="0"/>
-              <a:t>24/02/25</a:t>
+              <a:t>21/03/25</a:t>
             </a:fld>
             <a:endParaRPr lang="en-MX"/>
           </a:p>
@@ -2091,7 +2091,7 @@
           <a:p>
             <a:fld id="{1B5DD48E-8B08-144B-8C1D-28F0C3F5D00F}" type="datetimeFigureOut">
               <a:rPr lang="en-MX" smtClean="0"/>
-              <a:t>24/02/25</a:t>
+              <a:t>21/03/25</a:t>
             </a:fld>
             <a:endParaRPr lang="en-MX"/>
           </a:p>
@@ -2404,7 +2404,7 @@
           <a:p>
             <a:fld id="{1B5DD48E-8B08-144B-8C1D-28F0C3F5D00F}" type="datetimeFigureOut">
               <a:rPr lang="en-MX" smtClean="0"/>
-              <a:t>24/02/25</a:t>
+              <a:t>21/03/25</a:t>
             </a:fld>
             <a:endParaRPr lang="en-MX"/>
           </a:p>
@@ -2693,7 +2693,7 @@
           <a:p>
             <a:fld id="{1B5DD48E-8B08-144B-8C1D-28F0C3F5D00F}" type="datetimeFigureOut">
               <a:rPr lang="en-MX" smtClean="0"/>
-              <a:t>24/02/25</a:t>
+              <a:t>21/03/25</a:t>
             </a:fld>
             <a:endParaRPr lang="en-MX"/>
           </a:p>
@@ -2936,7 +2936,7 @@
           <a:p>
             <a:fld id="{1B5DD48E-8B08-144B-8C1D-28F0C3F5D00F}" type="datetimeFigureOut">
               <a:rPr lang="en-MX" smtClean="0"/>
-              <a:t>24/02/25</a:t>
+              <a:t>21/03/25</a:t>
             </a:fld>
             <a:endParaRPr lang="en-MX"/>
           </a:p>
@@ -10024,8 +10024,8 @@
           <a:chExt cx="0" cy="0"/>
         </a:xfrm>
       </p:grpSpPr>
-      <mc:AlternateContent xmlns:mc="http://schemas.openxmlformats.org/markup-compatibility/2006" xmlns:a14="http://schemas.microsoft.com/office/drawing/2010/main">
-        <mc:Choice Requires="a14">
+      <mc:AlternateContent xmlns:mc="http://schemas.openxmlformats.org/markup-compatibility/2006">
+        <mc:Choice xmlns:a14="http://schemas.microsoft.com/office/drawing/2010/main" Requires="a14">
           <p:sp>
             <p:nvSpPr>
               <p:cNvPr id="4" name="TextBox 3">
@@ -10104,38 +10104,6 @@
                         </a:rPr>
                         <m:t>= </m:t>
                       </m:r>
-                      <m:f>
-                        <m:fPr>
-                          <m:ctrlPr>
-                            <a:rPr lang="es-ES" sz="3200" b="0" i="1" smtClean="0">
-                              <a:latin typeface="Cambria Math" panose="02040503050406030204" pitchFamily="18" charset="0"/>
-                            </a:rPr>
-                          </m:ctrlPr>
-                        </m:fPr>
-                        <m:num>
-                          <m:r>
-                            <a:rPr lang="es-ES" sz="3200" b="0" i="1" smtClean="0">
-                              <a:latin typeface="Cambria Math" panose="02040503050406030204" pitchFamily="18" charset="0"/>
-                            </a:rPr>
-                            <m:t>1</m:t>
-                          </m:r>
-                        </m:num>
-                        <m:den>
-                          <m:r>
-                            <a:rPr lang="es-ES" sz="3200" b="0" i="1" smtClean="0">
-                              <a:latin typeface="Cambria Math" panose="02040503050406030204" pitchFamily="18" charset="0"/>
-                            </a:rPr>
-                            <m:t>4</m:t>
-                          </m:r>
-                        </m:den>
-                      </m:f>
-                      <m:r>
-                        <a:rPr lang="es-ES" sz="3200" b="0" i="1" smtClean="0">
-                          <a:latin typeface="Cambria Math" panose="02040503050406030204" pitchFamily="18" charset="0"/>
-                          <a:ea typeface="Cambria Math" panose="02040503050406030204" pitchFamily="18" charset="0"/>
-                        </a:rPr>
-                        <m:t>∙</m:t>
-                      </m:r>
                       <m:nary>
                         <m:naryPr>
                           <m:chr m:val="∑"/>
@@ -10182,221 +10150,268 @@
                           </m:r>
                         </m:sup>
                         <m:e>
-                          <m:r>
-                            <a:rPr lang="es-ES" sz="3200" b="0" i="1" smtClean="0">
-                              <a:latin typeface="Cambria Math" panose="02040503050406030204" pitchFamily="18" charset="0"/>
-                            </a:rPr>
-                            <m:t>1−</m:t>
-                          </m:r>
-                          <m:sSup>
-                            <m:sSupPr>
+                          <m:d>
+                            <m:dPr>
                               <m:ctrlPr>
                                 <a:rPr lang="es-ES" sz="3200" b="0" i="1" smtClean="0">
                                   <a:latin typeface="Cambria Math" panose="02040503050406030204" pitchFamily="18" charset="0"/>
+                                  <a:ea typeface="Cambria Math" panose="02040503050406030204" pitchFamily="18" charset="0"/>
                                 </a:rPr>
                               </m:ctrlPr>
-                            </m:sSupPr>
+                            </m:dPr>
                             <m:e>
-                              <m:d>
-                                <m:dPr>
+                              <m:r>
+                                <a:rPr lang="es-ES" sz="3200" i="1">
+                                  <a:latin typeface="Cambria Math" panose="02040503050406030204" pitchFamily="18" charset="0"/>
+                                </a:rPr>
+                                <m:t>1−</m:t>
+                              </m:r>
+                              <m:sSup>
+                                <m:sSupPr>
                                   <m:ctrlPr>
-                                    <a:rPr lang="es-ES" sz="3200" b="0" i="1" smtClean="0">
+                                    <a:rPr lang="es-ES" sz="3200" i="1">
                                       <a:latin typeface="Cambria Math" panose="02040503050406030204" pitchFamily="18" charset="0"/>
                                     </a:rPr>
                                   </m:ctrlPr>
-                                </m:dPr>
+                                </m:sSupPr>
                                 <m:e>
-                                  <m:f>
-                                    <m:fPr>
+                                  <m:d>
+                                    <m:dPr>
                                       <m:ctrlPr>
-                                        <a:rPr lang="es-ES" sz="3200" b="0" i="1" smtClean="0">
+                                        <a:rPr lang="es-ES" sz="3200" i="1">
                                           <a:latin typeface="Cambria Math" panose="02040503050406030204" pitchFamily="18" charset="0"/>
                                         </a:rPr>
                                       </m:ctrlPr>
-                                    </m:fPr>
-                                    <m:num>
-                                      <m:sSub>
-                                        <m:sSubPr>
+                                    </m:dPr>
+                                    <m:e>
+                                      <m:f>
+                                        <m:fPr>
                                           <m:ctrlPr>
-                                            <a:rPr lang="es-ES" sz="3200" b="0" i="1" smtClean="0">
+                                            <a:rPr lang="es-ES" sz="3200" i="1">
                                               <a:latin typeface="Cambria Math" panose="02040503050406030204" pitchFamily="18" charset="0"/>
                                             </a:rPr>
                                           </m:ctrlPr>
-                                        </m:sSubPr>
-                                        <m:e>
-                                          <m:r>
-                                            <a:rPr lang="es-ES" sz="3200" b="0" i="1" smtClean="0">
-                                              <a:latin typeface="Cambria Math" panose="02040503050406030204" pitchFamily="18" charset="0"/>
-                                            </a:rPr>
-                                            <m:t>𝐸</m:t>
-                                          </m:r>
-                                        </m:e>
-                                        <m:sub>
-                                          <m:r>
-                                            <m:rPr>
-                                              <m:sty m:val="p"/>
-                                            </m:rPr>
-                                            <a:rPr lang="es-ES" sz="3200" b="0" i="0" smtClean="0">
-                                              <a:latin typeface="Cambria Math" panose="02040503050406030204" pitchFamily="18" charset="0"/>
-                                            </a:rPr>
-                                            <m:t>o</m:t>
-                                          </m:r>
-                                          <m:r>
-                                            <a:rPr lang="es-ES" sz="3200" b="0" i="0" smtClean="0">
-                                              <a:latin typeface="Cambria Math" panose="02040503050406030204" pitchFamily="18" charset="0"/>
-                                            </a:rPr>
-                                            <m:t>,   </m:t>
-                                          </m:r>
-                                          <m:r>
-                                            <m:rPr>
-                                              <m:sty m:val="p"/>
-                                            </m:rPr>
-                                            <a:rPr lang="es-ES" sz="3200" b="0" i="0" smtClean="0">
-                                              <a:latin typeface="Cambria Math" panose="02040503050406030204" pitchFamily="18" charset="0"/>
-                                            </a:rPr>
-                                            <m:t>sensor</m:t>
-                                          </m:r>
-                                          <m:r>
-                                            <a:rPr lang="es-ES" sz="3200" b="0" i="1" smtClean="0">
-                                              <a:latin typeface="Cambria Math" panose="02040503050406030204" pitchFamily="18" charset="0"/>
-                                            </a:rPr>
-                                            <m:t>⁡−</m:t>
-                                          </m:r>
-                                        </m:sub>
-                                      </m:sSub>
-                                      <m:sSub>
-                                        <m:sSubPr>
-                                          <m:ctrlPr>
-                                            <a:rPr lang="es-ES" sz="3200" b="0" i="1" smtClean="0">
-                                              <a:latin typeface="Cambria Math" panose="02040503050406030204" pitchFamily="18" charset="0"/>
-                                            </a:rPr>
-                                          </m:ctrlPr>
-                                        </m:sSubPr>
-                                        <m:e>
-                                          <m:r>
-                                            <a:rPr lang="es-ES" sz="3200" b="0" i="1" smtClean="0">
-                                              <a:latin typeface="Cambria Math" panose="02040503050406030204" pitchFamily="18" charset="0"/>
-                                            </a:rPr>
-                                            <m:t>𝐸</m:t>
-                                          </m:r>
-                                        </m:e>
-                                        <m:sub>
-                                          <m:r>
-                                            <a:rPr lang="es-ES" sz="3200" b="0" i="1" smtClean="0">
-                                              <a:latin typeface="Cambria Math" panose="02040503050406030204" pitchFamily="18" charset="0"/>
-                                            </a:rPr>
-                                            <m:t>𝑚𝑖𝑛</m:t>
-                                          </m:r>
-                                          <m:r>
-                                            <a:rPr lang="es-ES" sz="3200" b="0" i="1" smtClean="0">
-                                              <a:latin typeface="Cambria Math" panose="02040503050406030204" pitchFamily="18" charset="0"/>
-                                            </a:rPr>
-                                            <m:t>, </m:t>
-                                          </m:r>
-                                          <m:r>
-                                            <a:rPr lang="es-ES" sz="3200" b="0" i="1" smtClean="0">
-                                              <a:latin typeface="Cambria Math" panose="02040503050406030204" pitchFamily="18" charset="0"/>
-                                            </a:rPr>
-                                            <m:t>𝑠𝑒𝑛𝑠𝑜𝑟</m:t>
-                                          </m:r>
-                                        </m:sub>
-                                      </m:sSub>
-                                    </m:num>
-                                    <m:den>
-                                      <m:sSub>
-                                        <m:sSubPr>
-                                          <m:ctrlPr>
-                                            <a:rPr lang="es-ES" sz="3200" b="0" i="1" smtClean="0">
-                                              <a:latin typeface="Cambria Math" panose="02040503050406030204" pitchFamily="18" charset="0"/>
-                                            </a:rPr>
-                                          </m:ctrlPr>
-                                        </m:sSubPr>
-                                        <m:e>
-                                          <m:r>
-                                            <a:rPr lang="es-ES" sz="3200" b="0" i="1" smtClean="0">
-                                              <a:latin typeface="Cambria Math" panose="02040503050406030204" pitchFamily="18" charset="0"/>
-                                            </a:rPr>
-                                            <m:t>𝐸</m:t>
-                                          </m:r>
-                                        </m:e>
-                                        <m:sub>
-                                          <m:r>
-                                            <a:rPr lang="es-ES" sz="3200" b="0" i="1" smtClean="0">
-                                              <a:latin typeface="Cambria Math" panose="02040503050406030204" pitchFamily="18" charset="0"/>
-                                            </a:rPr>
-                                            <m:t>𝑚𝑎𝑥</m:t>
-                                          </m:r>
-                                          <m:r>
-                                            <a:rPr lang="es-ES" sz="3200" b="0" i="1" smtClean="0">
-                                              <a:latin typeface="Cambria Math" panose="02040503050406030204" pitchFamily="18" charset="0"/>
-                                            </a:rPr>
-                                            <m:t>,   </m:t>
-                                          </m:r>
-                                          <m:r>
-                                            <a:rPr lang="es-ES" sz="3200" b="0" i="1" smtClean="0">
-                                              <a:latin typeface="Cambria Math" panose="02040503050406030204" pitchFamily="18" charset="0"/>
-                                            </a:rPr>
-                                            <m:t>𝑠𝑒𝑛𝑠𝑜𝑟</m:t>
-                                          </m:r>
-                                          <m:r>
-                                            <a:rPr lang="es-ES" sz="3200" b="0" i="1" smtClean="0">
-                                              <a:latin typeface="Cambria Math" panose="02040503050406030204" pitchFamily="18" charset="0"/>
-                                            </a:rPr>
-                                            <m:t>−</m:t>
-                                          </m:r>
-                                        </m:sub>
-                                      </m:sSub>
-                                      <m:sSub>
-                                        <m:sSubPr>
-                                          <m:ctrlPr>
-                                            <a:rPr lang="es-ES" sz="3200" b="0" i="1" smtClean="0">
-                                              <a:latin typeface="Cambria Math" panose="02040503050406030204" pitchFamily="18" charset="0"/>
-                                            </a:rPr>
-                                          </m:ctrlPr>
-                                        </m:sSubPr>
-                                        <m:e>
-                                          <m:r>
-                                            <a:rPr lang="es-ES" sz="3200" b="0" i="1" smtClean="0">
-                                              <a:latin typeface="Cambria Math" panose="02040503050406030204" pitchFamily="18" charset="0"/>
-                                            </a:rPr>
-                                            <m:t>𝐸</m:t>
-                                          </m:r>
-                                        </m:e>
-                                        <m:sub>
-                                          <m:r>
-                                            <a:rPr lang="es-ES" sz="3200" b="0" i="1" smtClean="0">
-                                              <a:latin typeface="Cambria Math" panose="02040503050406030204" pitchFamily="18" charset="0"/>
-                                            </a:rPr>
-                                            <m:t>𝑚𝑖𝑛</m:t>
-                                          </m:r>
-                                          <m:r>
-                                            <a:rPr lang="es-ES" sz="3200" b="0" i="1" smtClean="0">
-                                              <a:latin typeface="Cambria Math" panose="02040503050406030204" pitchFamily="18" charset="0"/>
-                                            </a:rPr>
-                                            <m:t>, </m:t>
-                                          </m:r>
-                                          <m:r>
-                                            <a:rPr lang="es-ES" sz="3200" b="0" i="1" smtClean="0">
-                                              <a:latin typeface="Cambria Math" panose="02040503050406030204" pitchFamily="18" charset="0"/>
-                                            </a:rPr>
-                                            <m:t>𝑠𝑒𝑛𝑠𝑜𝑟</m:t>
-                                          </m:r>
-                                        </m:sub>
-                                      </m:sSub>
-                                    </m:den>
-                                  </m:f>
+                                        </m:fPr>
+                                        <m:num>
+                                          <m:sSub>
+                                            <m:sSubPr>
+                                              <m:ctrlPr>
+                                                <a:rPr lang="es-ES" sz="3200" i="1">
+                                                  <a:latin typeface="Cambria Math" panose="02040503050406030204" pitchFamily="18" charset="0"/>
+                                                </a:rPr>
+                                              </m:ctrlPr>
+                                            </m:sSubPr>
+                                            <m:e>
+                                              <m:r>
+                                                <a:rPr lang="es-ES" sz="3200" i="1">
+                                                  <a:latin typeface="Cambria Math" panose="02040503050406030204" pitchFamily="18" charset="0"/>
+                                                </a:rPr>
+                                                <m:t>𝐸</m:t>
+                                              </m:r>
+                                            </m:e>
+                                            <m:sub>
+                                              <m:r>
+                                                <m:rPr>
+                                                  <m:sty m:val="p"/>
+                                                </m:rPr>
+                                                <a:rPr lang="es-ES" sz="3200">
+                                                  <a:latin typeface="Cambria Math" panose="02040503050406030204" pitchFamily="18" charset="0"/>
+                                                </a:rPr>
+                                                <m:t>o</m:t>
+                                              </m:r>
+                                              <m:r>
+                                                <a:rPr lang="es-ES" sz="3200">
+                                                  <a:latin typeface="Cambria Math" panose="02040503050406030204" pitchFamily="18" charset="0"/>
+                                                </a:rPr>
+                                                <m:t>,   </m:t>
+                                              </m:r>
+                                              <m:r>
+                                                <m:rPr>
+                                                  <m:sty m:val="p"/>
+                                                </m:rPr>
+                                                <a:rPr lang="es-ES" sz="3200">
+                                                  <a:latin typeface="Cambria Math" panose="02040503050406030204" pitchFamily="18" charset="0"/>
+                                                </a:rPr>
+                                                <m:t>sensor</m:t>
+                                              </m:r>
+                                              <m:r>
+                                                <a:rPr lang="es-ES" sz="3200" i="1">
+                                                  <a:latin typeface="Cambria Math" panose="02040503050406030204" pitchFamily="18" charset="0"/>
+                                                </a:rPr>
+                                                <m:t>⁡−</m:t>
+                                              </m:r>
+                                            </m:sub>
+                                          </m:sSub>
+                                          <m:sSub>
+                                            <m:sSubPr>
+                                              <m:ctrlPr>
+                                                <a:rPr lang="es-ES" sz="3200" i="1">
+                                                  <a:latin typeface="Cambria Math" panose="02040503050406030204" pitchFamily="18" charset="0"/>
+                                                </a:rPr>
+                                              </m:ctrlPr>
+                                            </m:sSubPr>
+                                            <m:e>
+                                              <m:r>
+                                                <a:rPr lang="es-ES" sz="3200" i="1">
+                                                  <a:latin typeface="Cambria Math" panose="02040503050406030204" pitchFamily="18" charset="0"/>
+                                                </a:rPr>
+                                                <m:t>𝐸</m:t>
+                                              </m:r>
+                                            </m:e>
+                                            <m:sub>
+                                              <m:r>
+                                                <a:rPr lang="es-ES" sz="3200" i="1">
+                                                  <a:latin typeface="Cambria Math" panose="02040503050406030204" pitchFamily="18" charset="0"/>
+                                                </a:rPr>
+                                                <m:t>𝑚𝑖𝑛</m:t>
+                                              </m:r>
+                                              <m:r>
+                                                <a:rPr lang="es-ES" sz="3200" i="1">
+                                                  <a:latin typeface="Cambria Math" panose="02040503050406030204" pitchFamily="18" charset="0"/>
+                                                </a:rPr>
+                                                <m:t>, </m:t>
+                                              </m:r>
+                                              <m:r>
+                                                <a:rPr lang="es-ES" sz="3200" i="1">
+                                                  <a:latin typeface="Cambria Math" panose="02040503050406030204" pitchFamily="18" charset="0"/>
+                                                </a:rPr>
+                                                <m:t>𝑠𝑒𝑛𝑠𝑜𝑟</m:t>
+                                              </m:r>
+                                            </m:sub>
+                                          </m:sSub>
+                                        </m:num>
+                                        <m:den>
+                                          <m:sSub>
+                                            <m:sSubPr>
+                                              <m:ctrlPr>
+                                                <a:rPr lang="es-ES" sz="3200" i="1">
+                                                  <a:latin typeface="Cambria Math" panose="02040503050406030204" pitchFamily="18" charset="0"/>
+                                                </a:rPr>
+                                              </m:ctrlPr>
+                                            </m:sSubPr>
+                                            <m:e>
+                                              <m:r>
+                                                <a:rPr lang="es-ES" sz="3200" i="1">
+                                                  <a:latin typeface="Cambria Math" panose="02040503050406030204" pitchFamily="18" charset="0"/>
+                                                </a:rPr>
+                                                <m:t>𝐸</m:t>
+                                              </m:r>
+                                            </m:e>
+                                            <m:sub>
+                                              <m:r>
+                                                <a:rPr lang="es-ES" sz="3200" i="1">
+                                                  <a:latin typeface="Cambria Math" panose="02040503050406030204" pitchFamily="18" charset="0"/>
+                                                </a:rPr>
+                                                <m:t>𝑚𝑎𝑥</m:t>
+                                              </m:r>
+                                              <m:r>
+                                                <a:rPr lang="es-ES" sz="3200" i="1">
+                                                  <a:latin typeface="Cambria Math" panose="02040503050406030204" pitchFamily="18" charset="0"/>
+                                                </a:rPr>
+                                                <m:t>,   </m:t>
+                                              </m:r>
+                                              <m:r>
+                                                <a:rPr lang="es-ES" sz="3200" i="1">
+                                                  <a:latin typeface="Cambria Math" panose="02040503050406030204" pitchFamily="18" charset="0"/>
+                                                </a:rPr>
+                                                <m:t>𝑠𝑒𝑛𝑠𝑜𝑟</m:t>
+                                              </m:r>
+                                              <m:r>
+                                                <a:rPr lang="es-ES" sz="3200" i="1">
+                                                  <a:latin typeface="Cambria Math" panose="02040503050406030204" pitchFamily="18" charset="0"/>
+                                                </a:rPr>
+                                                <m:t>−</m:t>
+                                              </m:r>
+                                            </m:sub>
+                                          </m:sSub>
+                                          <m:sSub>
+                                            <m:sSubPr>
+                                              <m:ctrlPr>
+                                                <a:rPr lang="es-ES" sz="3200" i="1">
+                                                  <a:latin typeface="Cambria Math" panose="02040503050406030204" pitchFamily="18" charset="0"/>
+                                                </a:rPr>
+                                              </m:ctrlPr>
+                                            </m:sSubPr>
+                                            <m:e>
+                                              <m:r>
+                                                <a:rPr lang="es-ES" sz="3200" i="1">
+                                                  <a:latin typeface="Cambria Math" panose="02040503050406030204" pitchFamily="18" charset="0"/>
+                                                </a:rPr>
+                                                <m:t>𝐸</m:t>
+                                              </m:r>
+                                            </m:e>
+                                            <m:sub>
+                                              <m:r>
+                                                <a:rPr lang="es-ES" sz="3200" i="1">
+                                                  <a:latin typeface="Cambria Math" panose="02040503050406030204" pitchFamily="18" charset="0"/>
+                                                </a:rPr>
+                                                <m:t>𝑚𝑖𝑛</m:t>
+                                              </m:r>
+                                              <m:r>
+                                                <a:rPr lang="es-ES" sz="3200" i="1">
+                                                  <a:latin typeface="Cambria Math" panose="02040503050406030204" pitchFamily="18" charset="0"/>
+                                                </a:rPr>
+                                                <m:t>, </m:t>
+                                              </m:r>
+                                              <m:r>
+                                                <a:rPr lang="es-ES" sz="3200" i="1">
+                                                  <a:latin typeface="Cambria Math" panose="02040503050406030204" pitchFamily="18" charset="0"/>
+                                                </a:rPr>
+                                                <m:t>𝑠𝑒𝑛𝑠𝑜𝑟</m:t>
+                                              </m:r>
+                                            </m:sub>
+                                          </m:sSub>
+                                        </m:den>
+                                      </m:f>
+                                    </m:e>
+                                  </m:d>
                                 </m:e>
-                              </m:d>
+                                <m:sup>
+                                  <m:r>
+                                    <a:rPr lang="es-ES" sz="3200" i="1">
+                                      <a:latin typeface="Cambria Math" panose="02040503050406030204" pitchFamily="18" charset="0"/>
+                                    </a:rPr>
+                                    <m:t>2</m:t>
+                                  </m:r>
+                                </m:sup>
+                              </m:sSup>
                             </m:e>
-                            <m:sup>
+                          </m:d>
+                          <m:r>
+                            <a:rPr lang="es-419" sz="3200" i="1">
+                              <a:latin typeface="Cambria Math" panose="02040503050406030204" pitchFamily="18" charset="0"/>
+                              <a:ea typeface="Cambria Math" panose="02040503050406030204" pitchFamily="18" charset="0"/>
+                            </a:rPr>
+                            <m:t>∙</m:t>
+                          </m:r>
+                          <m:sSub>
+                            <m:sSubPr>
+                              <m:ctrlPr>
+                                <a:rPr lang="es-419" sz="3200" i="1" smtClean="0">
+                                  <a:latin typeface="Cambria Math" panose="02040503050406030204" pitchFamily="18" charset="0"/>
+                                  <a:ea typeface="Cambria Math" panose="02040503050406030204" pitchFamily="18" charset="0"/>
+                                </a:rPr>
+                              </m:ctrlPr>
+                            </m:sSubPr>
+                            <m:e>
                               <m:r>
-                                <a:rPr lang="es-ES" sz="3200" b="0" i="1" smtClean="0">
+                                <a:rPr lang="es-419" sz="3200" i="1" smtClean="0">
                                   <a:latin typeface="Cambria Math" panose="02040503050406030204" pitchFamily="18" charset="0"/>
+                                  <a:ea typeface="Cambria Math" panose="02040503050406030204" pitchFamily="18" charset="0"/>
                                 </a:rPr>
-                                <m:t>2</m:t>
+                                <m:t>𝜔</m:t>
                               </m:r>
-                            </m:sup>
-                          </m:sSup>
+                            </m:e>
+                            <m:sub>
+                              <m:r>
+                                <a:rPr lang="es-419" sz="3200" b="0" i="1" smtClean="0">
+                                  <a:latin typeface="Cambria Math" panose="02040503050406030204" pitchFamily="18" charset="0"/>
+                                  <a:ea typeface="Cambria Math" panose="02040503050406030204" pitchFamily="18" charset="0"/>
+                                </a:rPr>
+                                <m:t>𝑖</m:t>
+                              </m:r>
+                            </m:sub>
+                          </m:sSub>
                         </m:e>
                       </m:nary>
                     </m:oMath>
@@ -10407,7 +10422,7 @@
             </p:txBody>
           </p:sp>
         </mc:Choice>
-        <mc:Fallback xmlns="">
+        <mc:Fallback>
           <p:sp>
             <p:nvSpPr>
               <p:cNvPr id="4" name="TextBox 3">
@@ -10433,7 +10448,7 @@
               <a:blipFill>
                 <a:blip r:embed="rId2"/>
                 <a:stretch>
-                  <a:fillRect t="-55629" b="-127815"/>
+                  <a:fillRect l="-5256" t="-55629" b="-127815"/>
                 </a:stretch>
               </a:blipFill>
             </p:spPr>
@@ -10586,94 +10601,6 @@
       </p:sp>
       <p:sp>
         <p:nvSpPr>
-          <p:cNvPr id="2" name="TextBox 1">
-            <a:extLst>
-              <a:ext uri="{FF2B5EF4-FFF2-40B4-BE49-F238E27FC236}">
-                <a16:creationId xmlns:a16="http://schemas.microsoft.com/office/drawing/2014/main" id="{94C3C617-C27F-32A0-B20A-F995571C84BF}"/>
-              </a:ext>
-            </a:extLst>
-          </p:cNvPr>
-          <p:cNvSpPr txBox="1"/>
-          <p:nvPr/>
-        </p:nvSpPr>
-        <p:spPr>
-          <a:xfrm>
-            <a:off x="187889" y="3836121"/>
-            <a:ext cx="3884643" cy="1477328"/>
-          </a:xfrm>
-          <a:prstGeom prst="rect">
-            <a:avLst/>
-          </a:prstGeom>
-          <a:noFill/>
-        </p:spPr>
-        <p:txBody>
-          <a:bodyPr wrap="square" rtlCol="0">
-            <a:spAutoFit/>
-          </a:bodyPr>
-          <a:lstStyle/>
-          <a:p>
-            <a:pPr algn="just"/>
-            <a:r>
-              <a:rPr lang="en-MX" dirty="0"/>
-              <a:t>Para este trabajo, se considera una división uniforme de la ganancia de energía, sin embargo, pudieran usarse pesos al igual que en las preferencias.</a:t>
-            </a:r>
-          </a:p>
-        </p:txBody>
-      </p:sp>
-      <p:sp>
-        <p:nvSpPr>
-          <p:cNvPr id="3" name="Rectangle 2">
-            <a:extLst>
-              <a:ext uri="{FF2B5EF4-FFF2-40B4-BE49-F238E27FC236}">
-                <a16:creationId xmlns:a16="http://schemas.microsoft.com/office/drawing/2014/main" id="{8FD6B8F1-E57C-82ED-4978-7416A35298B0}"/>
-              </a:ext>
-            </a:extLst>
-          </p:cNvPr>
-          <p:cNvSpPr/>
-          <p:nvPr/>
-        </p:nvSpPr>
-        <p:spPr>
-          <a:xfrm>
-            <a:off x="2192357" y="1938969"/>
-            <a:ext cx="605928" cy="1664622"/>
-          </a:xfrm>
-          <a:prstGeom prst="rect">
-            <a:avLst/>
-          </a:prstGeom>
-          <a:noFill/>
-          <a:ln>
-            <a:solidFill>
-              <a:srgbClr val="FF0000"/>
-            </a:solidFill>
-          </a:ln>
-        </p:spPr>
-        <p:style>
-          <a:lnRef idx="2">
-            <a:schemeClr val="accent1">
-              <a:shade val="15000"/>
-            </a:schemeClr>
-          </a:lnRef>
-          <a:fillRef idx="1">
-            <a:schemeClr val="accent1"/>
-          </a:fillRef>
-          <a:effectRef idx="0">
-            <a:schemeClr val="accent1"/>
-          </a:effectRef>
-          <a:fontRef idx="minor">
-            <a:schemeClr val="lt1"/>
-          </a:fontRef>
-        </p:style>
-        <p:txBody>
-          <a:bodyPr rtlCol="0" anchor="ctr"/>
-          <a:lstStyle/>
-          <a:p>
-            <a:pPr algn="ctr"/>
-            <a:endParaRPr lang="en-MX"/>
-          </a:p>
-        </p:txBody>
-      </p:sp>
-      <p:sp>
-        <p:nvSpPr>
           <p:cNvPr id="5" name="Rectangle 4">
             <a:extLst>
               <a:ext uri="{FF2B5EF4-FFF2-40B4-BE49-F238E27FC236}">
@@ -10686,8 +10613,8 @@
         </p:nvSpPr>
         <p:spPr>
           <a:xfrm>
-            <a:off x="5001658" y="1890848"/>
-            <a:ext cx="4571999" cy="1664622"/>
+            <a:off x="4622279" y="2023352"/>
+            <a:ext cx="4122887" cy="1251465"/>
           </a:xfrm>
           <a:prstGeom prst="rect">
             <a:avLst/>
